--- a/make_presentation/templates/templates/classic/_17.pptx
+++ b/make_presentation/templates/templates/classic/_17.pptx
@@ -308,7 +308,7 @@
             <a:pPr algn="r">
               <a:buNone/>
             </a:pPr>
-            <a:fld id="{20C64006-5A4A-40D8-A7E3-291DE25EA539}" type="slidenum">
+            <a:fld id="{C14559DB-625F-4357-A997-A30F2DD9C03F}" type="slidenum">
               <a:rPr b="0" lang="en-US" sz="1400" spc="-1" strike="noStrike">
                 <a:latin typeface="Times New Roman"/>
               </a:rPr>
@@ -356,7 +356,7 @@
         <p:spPr>
           <a:xfrm>
             <a:off x="380880" y="685800"/>
-            <a:ext cx="6092280" cy="3425400"/>
+            <a:ext cx="6091920" cy="3425040"/>
           </a:xfrm>
           <a:prstGeom prst="rect">
             <a:avLst/>
@@ -379,7 +379,7 @@
         <p:spPr>
           <a:xfrm>
             <a:off x="685800" y="4343400"/>
-            <a:ext cx="5482800" cy="4111200"/>
+            <a:ext cx="5482440" cy="4110840"/>
           </a:xfrm>
           <a:prstGeom prst="rect">
             <a:avLst/>
@@ -413,7 +413,7 @@
         <p:spPr>
           <a:xfrm>
             <a:off x="3884760" y="8685360"/>
-            <a:ext cx="2968200" cy="453600"/>
+            <a:ext cx="2967840" cy="453240"/>
           </a:xfrm>
           <a:prstGeom prst="rect">
             <a:avLst/>
@@ -449,7 +449,7 @@
               </a:lnSpc>
               <a:buNone/>
             </a:pPr>
-            <a:fld id="{6ABBA57C-EAAE-4412-8256-B3D1919FB421}" type="slidenum">
+            <a:fld id="{724BD2BA-8E9C-460F-86F9-0B1270417C3D}" type="slidenum">
               <a:rPr b="0" lang="en-US" sz="1200" spc="-1" strike="noStrike">
                 <a:solidFill>
                   <a:srgbClr val="000000"/>
@@ -500,7 +500,7 @@
         <p:spPr>
           <a:xfrm>
             <a:off x="380880" y="685800"/>
-            <a:ext cx="6092280" cy="3425400"/>
+            <a:ext cx="6091920" cy="3425040"/>
           </a:xfrm>
           <a:prstGeom prst="rect">
             <a:avLst/>
@@ -523,7 +523,7 @@
         <p:spPr>
           <a:xfrm>
             <a:off x="685800" y="4343400"/>
-            <a:ext cx="5482800" cy="4111200"/>
+            <a:ext cx="5482440" cy="4110840"/>
           </a:xfrm>
           <a:prstGeom prst="rect">
             <a:avLst/>
@@ -557,7 +557,7 @@
         <p:spPr>
           <a:xfrm>
             <a:off x="3884760" y="8685360"/>
-            <a:ext cx="2968200" cy="453600"/>
+            <a:ext cx="2967840" cy="453240"/>
           </a:xfrm>
           <a:prstGeom prst="rect">
             <a:avLst/>
@@ -593,7 +593,7 @@
               </a:lnSpc>
               <a:buNone/>
             </a:pPr>
-            <a:fld id="{D6B7F7EA-40E9-41F4-93F4-FEA029C400EC}" type="slidenum">
+            <a:fld id="{1B55C882-01EA-4F61-93D1-16C8EE4F9A62}" type="slidenum">
               <a:rPr b="0" lang="en-US" sz="1200" spc="-1" strike="noStrike">
                 <a:solidFill>
                   <a:srgbClr val="000000"/>
@@ -644,7 +644,7 @@
         <p:spPr>
           <a:xfrm>
             <a:off x="380880" y="685800"/>
-            <a:ext cx="6092280" cy="3425400"/>
+            <a:ext cx="6091920" cy="3425040"/>
           </a:xfrm>
           <a:prstGeom prst="rect">
             <a:avLst/>
@@ -667,7 +667,7 @@
         <p:spPr>
           <a:xfrm>
             <a:off x="685800" y="4343400"/>
-            <a:ext cx="5482800" cy="4111200"/>
+            <a:ext cx="5482440" cy="4110840"/>
           </a:xfrm>
           <a:prstGeom prst="rect">
             <a:avLst/>
@@ -701,7 +701,7 @@
         <p:spPr>
           <a:xfrm>
             <a:off x="3884760" y="8685360"/>
-            <a:ext cx="2968200" cy="453600"/>
+            <a:ext cx="2967840" cy="453240"/>
           </a:xfrm>
           <a:prstGeom prst="rect">
             <a:avLst/>
@@ -737,7 +737,7 @@
               </a:lnSpc>
               <a:buNone/>
             </a:pPr>
-            <a:fld id="{5AAB5738-DEAD-4EAF-8B25-2E8F5D787C4F}" type="slidenum">
+            <a:fld id="{776CCC4D-5E10-445F-A40B-24B2FE8AED39}" type="slidenum">
               <a:rPr b="0" lang="en-US" sz="1200" spc="-1" strike="noStrike">
                 <a:solidFill>
                   <a:srgbClr val="000000"/>
@@ -788,7 +788,7 @@
         <p:spPr>
           <a:xfrm>
             <a:off x="380880" y="685800"/>
-            <a:ext cx="6092280" cy="3425400"/>
+            <a:ext cx="6091920" cy="3425040"/>
           </a:xfrm>
           <a:prstGeom prst="rect">
             <a:avLst/>
@@ -811,7 +811,7 @@
         <p:spPr>
           <a:xfrm>
             <a:off x="685800" y="4343400"/>
-            <a:ext cx="5482800" cy="4111200"/>
+            <a:ext cx="5482440" cy="4110840"/>
           </a:xfrm>
           <a:prstGeom prst="rect">
             <a:avLst/>
@@ -845,7 +845,7 @@
         <p:spPr>
           <a:xfrm>
             <a:off x="3884760" y="8685360"/>
-            <a:ext cx="2968200" cy="453600"/>
+            <a:ext cx="2967840" cy="453240"/>
           </a:xfrm>
           <a:prstGeom prst="rect">
             <a:avLst/>
@@ -881,7 +881,7 @@
               </a:lnSpc>
               <a:buNone/>
             </a:pPr>
-            <a:fld id="{1C27EE42-3D8A-451C-A52E-4B5E981625CC}" type="slidenum">
+            <a:fld id="{9FBF19B3-03C0-4966-BA56-29553FEED3C8}" type="slidenum">
               <a:rPr b="0" lang="en-US" sz="1200" spc="-1" strike="noStrike">
                 <a:solidFill>
                   <a:srgbClr val="000000"/>
@@ -932,7 +932,7 @@
         <p:spPr>
           <a:xfrm>
             <a:off x="380880" y="685800"/>
-            <a:ext cx="6092280" cy="3425400"/>
+            <a:ext cx="6091920" cy="3425040"/>
           </a:xfrm>
           <a:prstGeom prst="rect">
             <a:avLst/>
@@ -955,7 +955,7 @@
         <p:spPr>
           <a:xfrm>
             <a:off x="685800" y="4343400"/>
-            <a:ext cx="5482800" cy="4111200"/>
+            <a:ext cx="5482440" cy="4110840"/>
           </a:xfrm>
           <a:prstGeom prst="rect">
             <a:avLst/>
@@ -989,7 +989,7 @@
         <p:spPr>
           <a:xfrm>
             <a:off x="3884760" y="8685360"/>
-            <a:ext cx="2968200" cy="453600"/>
+            <a:ext cx="2967840" cy="453240"/>
           </a:xfrm>
           <a:prstGeom prst="rect">
             <a:avLst/>
@@ -1025,7 +1025,7 @@
               </a:lnSpc>
               <a:buNone/>
             </a:pPr>
-            <a:fld id="{F70898F7-ADD2-4AD9-8DD2-18ADD782E113}" type="slidenum">
+            <a:fld id="{334EBA07-49F4-4B1B-B4E5-8A402497F47A}" type="slidenum">
               <a:rPr b="0" lang="en-US" sz="1200" spc="-1" strike="noStrike">
                 <a:solidFill>
                   <a:srgbClr val="000000"/>
@@ -1076,7 +1076,7 @@
         <p:spPr>
           <a:xfrm>
             <a:off x="380880" y="685800"/>
-            <a:ext cx="6092280" cy="3425400"/>
+            <a:ext cx="6091920" cy="3425040"/>
           </a:xfrm>
           <a:prstGeom prst="rect">
             <a:avLst/>
@@ -1099,7 +1099,7 @@
         <p:spPr>
           <a:xfrm>
             <a:off x="685800" y="4343400"/>
-            <a:ext cx="5482800" cy="4111200"/>
+            <a:ext cx="5482440" cy="4110840"/>
           </a:xfrm>
           <a:prstGeom prst="rect">
             <a:avLst/>
@@ -1133,7 +1133,7 @@
         <p:spPr>
           <a:xfrm>
             <a:off x="3884760" y="8685360"/>
-            <a:ext cx="2968200" cy="453600"/>
+            <a:ext cx="2967840" cy="453240"/>
           </a:xfrm>
           <a:prstGeom prst="rect">
             <a:avLst/>
@@ -1169,7 +1169,7 @@
               </a:lnSpc>
               <a:buNone/>
             </a:pPr>
-            <a:fld id="{E853C88E-C148-4777-86A5-741D1DC4B14F}" type="slidenum">
+            <a:fld id="{8622EB5E-7134-4F21-A4F4-5B2D1E5FB502}" type="slidenum">
               <a:rPr b="0" lang="en-US" sz="1200" spc="-1" strike="noStrike">
                 <a:solidFill>
                   <a:srgbClr val="000000"/>
@@ -1220,7 +1220,7 @@
         <p:spPr>
           <a:xfrm>
             <a:off x="380880" y="685800"/>
-            <a:ext cx="6092280" cy="3425400"/>
+            <a:ext cx="6091920" cy="3425040"/>
           </a:xfrm>
           <a:prstGeom prst="rect">
             <a:avLst/>
@@ -1243,7 +1243,7 @@
         <p:spPr>
           <a:xfrm>
             <a:off x="685800" y="4343400"/>
-            <a:ext cx="5482800" cy="4111200"/>
+            <a:ext cx="5482440" cy="4110840"/>
           </a:xfrm>
           <a:prstGeom prst="rect">
             <a:avLst/>
@@ -1277,7 +1277,7 @@
         <p:spPr>
           <a:xfrm>
             <a:off x="3884760" y="8685360"/>
-            <a:ext cx="2968200" cy="453600"/>
+            <a:ext cx="2967840" cy="453240"/>
           </a:xfrm>
           <a:prstGeom prst="rect">
             <a:avLst/>
@@ -1313,7 +1313,7 @@
               </a:lnSpc>
               <a:buNone/>
             </a:pPr>
-            <a:fld id="{C324A4A4-89AC-4157-B7D1-37B054F4C339}" type="slidenum">
+            <a:fld id="{01B6A5FD-BF45-487F-9DFC-33F5FAD8834C}" type="slidenum">
               <a:rPr b="0" lang="en-US" sz="1200" spc="-1" strike="noStrike">
                 <a:solidFill>
                   <a:srgbClr val="000000"/>
@@ -1364,7 +1364,7 @@
         <p:spPr>
           <a:xfrm>
             <a:off x="380880" y="685800"/>
-            <a:ext cx="6092280" cy="3425400"/>
+            <a:ext cx="6091920" cy="3425040"/>
           </a:xfrm>
           <a:prstGeom prst="rect">
             <a:avLst/>
@@ -1387,7 +1387,7 @@
         <p:spPr>
           <a:xfrm>
             <a:off x="685800" y="4343400"/>
-            <a:ext cx="5482800" cy="4111200"/>
+            <a:ext cx="5482440" cy="4110840"/>
           </a:xfrm>
           <a:prstGeom prst="rect">
             <a:avLst/>
@@ -1421,7 +1421,7 @@
         <p:spPr>
           <a:xfrm>
             <a:off x="3884760" y="8685360"/>
-            <a:ext cx="2968200" cy="453600"/>
+            <a:ext cx="2967840" cy="453240"/>
           </a:xfrm>
           <a:prstGeom prst="rect">
             <a:avLst/>
@@ -1457,7 +1457,7 @@
               </a:lnSpc>
               <a:buNone/>
             </a:pPr>
-            <a:fld id="{113A497E-1EB0-457A-A2D4-E0A4886FFAF5}" type="slidenum">
+            <a:fld id="{3394A550-9866-414D-AFEE-5BCD1A3032DA}" type="slidenum">
               <a:rPr b="0" lang="en-US" sz="1200" spc="-1" strike="noStrike">
                 <a:solidFill>
                   <a:srgbClr val="000000"/>
@@ -1508,7 +1508,7 @@
         <p:spPr>
           <a:xfrm>
             <a:off x="380880" y="685800"/>
-            <a:ext cx="6092280" cy="3425400"/>
+            <a:ext cx="6091920" cy="3425040"/>
           </a:xfrm>
           <a:prstGeom prst="rect">
             <a:avLst/>
@@ -1531,7 +1531,7 @@
         <p:spPr>
           <a:xfrm>
             <a:off x="685800" y="4343400"/>
-            <a:ext cx="5482800" cy="4111200"/>
+            <a:ext cx="5482440" cy="4110840"/>
           </a:xfrm>
           <a:prstGeom prst="rect">
             <a:avLst/>
@@ -1565,7 +1565,7 @@
         <p:spPr>
           <a:xfrm>
             <a:off x="3884760" y="8685360"/>
-            <a:ext cx="2968200" cy="453600"/>
+            <a:ext cx="2967840" cy="453240"/>
           </a:xfrm>
           <a:prstGeom prst="rect">
             <a:avLst/>
@@ -1601,7 +1601,7 @@
               </a:lnSpc>
               <a:buNone/>
             </a:pPr>
-            <a:fld id="{6411C229-E990-43C8-A70E-0853BA0E1632}" type="slidenum">
+            <a:fld id="{3ACFED76-D922-477D-8DFB-60D5A782D761}" type="slidenum">
               <a:rPr b="0" lang="en-US" sz="1200" spc="-1" strike="noStrike">
                 <a:solidFill>
                   <a:srgbClr val="000000"/>
@@ -1652,7 +1652,7 @@
         <p:spPr>
           <a:xfrm>
             <a:off x="380880" y="685800"/>
-            <a:ext cx="6092280" cy="3425400"/>
+            <a:ext cx="6091920" cy="3425040"/>
           </a:xfrm>
           <a:prstGeom prst="rect">
             <a:avLst/>
@@ -1675,7 +1675,7 @@
         <p:spPr>
           <a:xfrm>
             <a:off x="685800" y="4343400"/>
-            <a:ext cx="5482800" cy="4111200"/>
+            <a:ext cx="5482440" cy="4110840"/>
           </a:xfrm>
           <a:prstGeom prst="rect">
             <a:avLst/>
@@ -1709,7 +1709,7 @@
         <p:spPr>
           <a:xfrm>
             <a:off x="3884760" y="8685360"/>
-            <a:ext cx="2968200" cy="453600"/>
+            <a:ext cx="2967840" cy="453240"/>
           </a:xfrm>
           <a:prstGeom prst="rect">
             <a:avLst/>
@@ -1745,7 +1745,7 @@
               </a:lnSpc>
               <a:buNone/>
             </a:pPr>
-            <a:fld id="{44B24906-E43C-4AB9-9A8E-A10AEEA61A92}" type="slidenum">
+            <a:fld id="{B275607E-A4DC-49D0-9AD7-749AB238AA5D}" type="slidenum">
               <a:rPr b="0" lang="en-US" sz="1200" spc="-1" strike="noStrike">
                 <a:solidFill>
                   <a:srgbClr val="000000"/>
@@ -1796,7 +1796,7 @@
         <p:spPr>
           <a:xfrm>
             <a:off x="380880" y="685800"/>
-            <a:ext cx="6092280" cy="3425400"/>
+            <a:ext cx="6091920" cy="3425040"/>
           </a:xfrm>
           <a:prstGeom prst="rect">
             <a:avLst/>
@@ -1819,7 +1819,7 @@
         <p:spPr>
           <a:xfrm>
             <a:off x="685800" y="4343400"/>
-            <a:ext cx="5482800" cy="4111200"/>
+            <a:ext cx="5482440" cy="4110840"/>
           </a:xfrm>
           <a:prstGeom prst="rect">
             <a:avLst/>
@@ -1853,7 +1853,7 @@
         <p:spPr>
           <a:xfrm>
             <a:off x="3884760" y="8685360"/>
-            <a:ext cx="2968200" cy="453600"/>
+            <a:ext cx="2967840" cy="453240"/>
           </a:xfrm>
           <a:prstGeom prst="rect">
             <a:avLst/>
@@ -1889,7 +1889,7 @@
               </a:lnSpc>
               <a:buNone/>
             </a:pPr>
-            <a:fld id="{5C41D086-5A91-4AE0-8EB5-C66F0799FD1F}" type="slidenum">
+            <a:fld id="{7E73E60B-980B-4280-93B5-93480014AF1A}" type="slidenum">
               <a:rPr b="0" lang="en-US" sz="1200" spc="-1" strike="noStrike">
                 <a:solidFill>
                   <a:srgbClr val="000000"/>
@@ -1940,7 +1940,7 @@
         <p:spPr>
           <a:xfrm>
             <a:off x="380880" y="685800"/>
-            <a:ext cx="6092280" cy="3425400"/>
+            <a:ext cx="6091920" cy="3425040"/>
           </a:xfrm>
           <a:prstGeom prst="rect">
             <a:avLst/>
@@ -1963,7 +1963,7 @@
         <p:spPr>
           <a:xfrm>
             <a:off x="685800" y="4343400"/>
-            <a:ext cx="5482800" cy="4111200"/>
+            <a:ext cx="5482440" cy="4110840"/>
           </a:xfrm>
           <a:prstGeom prst="rect">
             <a:avLst/>
@@ -1997,7 +1997,7 @@
         <p:spPr>
           <a:xfrm>
             <a:off x="3884760" y="8685360"/>
-            <a:ext cx="2968200" cy="453600"/>
+            <a:ext cx="2967840" cy="453240"/>
           </a:xfrm>
           <a:prstGeom prst="rect">
             <a:avLst/>
@@ -2033,7 +2033,7 @@
               </a:lnSpc>
               <a:buNone/>
             </a:pPr>
-            <a:fld id="{12153999-45F8-4B7A-AB43-A1CAED236F92}" type="slidenum">
+            <a:fld id="{660CAB79-031C-48F7-A14A-FF3DCFF640DF}" type="slidenum">
               <a:rPr b="0" lang="en-US" sz="1200" spc="-1" strike="noStrike">
                 <a:solidFill>
                   <a:srgbClr val="000000"/>
@@ -2084,7 +2084,7 @@
         <p:spPr>
           <a:xfrm>
             <a:off x="380880" y="685800"/>
-            <a:ext cx="6092280" cy="3425400"/>
+            <a:ext cx="6091920" cy="3425040"/>
           </a:xfrm>
           <a:prstGeom prst="rect">
             <a:avLst/>
@@ -2107,7 +2107,7 @@
         <p:spPr>
           <a:xfrm>
             <a:off x="685800" y="4343400"/>
-            <a:ext cx="5482800" cy="4111200"/>
+            <a:ext cx="5482440" cy="4110840"/>
           </a:xfrm>
           <a:prstGeom prst="rect">
             <a:avLst/>
@@ -2141,7 +2141,7 @@
         <p:spPr>
           <a:xfrm>
             <a:off x="3884760" y="8685360"/>
-            <a:ext cx="2968200" cy="453600"/>
+            <a:ext cx="2967840" cy="453240"/>
           </a:xfrm>
           <a:prstGeom prst="rect">
             <a:avLst/>
@@ -2177,7 +2177,7 @@
               </a:lnSpc>
               <a:buNone/>
             </a:pPr>
-            <a:fld id="{4093E05C-B07A-423A-9A4F-0FF2693F80B1}" type="slidenum">
+            <a:fld id="{5C7CDC79-F824-41C7-920C-1A0089CBBA2A}" type="slidenum">
               <a:rPr b="0" lang="en-US" sz="1200" spc="-1" strike="noStrike">
                 <a:solidFill>
                   <a:srgbClr val="000000"/>
@@ -2228,7 +2228,7 @@
         <p:spPr>
           <a:xfrm>
             <a:off x="380880" y="685800"/>
-            <a:ext cx="6092280" cy="3425400"/>
+            <a:ext cx="6091920" cy="3425040"/>
           </a:xfrm>
           <a:prstGeom prst="rect">
             <a:avLst/>
@@ -2251,7 +2251,7 @@
         <p:spPr>
           <a:xfrm>
             <a:off x="685800" y="4343400"/>
-            <a:ext cx="5482800" cy="4111200"/>
+            <a:ext cx="5482440" cy="4110840"/>
           </a:xfrm>
           <a:prstGeom prst="rect">
             <a:avLst/>
@@ -2285,7 +2285,7 @@
         <p:spPr>
           <a:xfrm>
             <a:off x="3884760" y="8685360"/>
-            <a:ext cx="2968200" cy="453600"/>
+            <a:ext cx="2967840" cy="453240"/>
           </a:xfrm>
           <a:prstGeom prst="rect">
             <a:avLst/>
@@ -2321,7 +2321,7 @@
               </a:lnSpc>
               <a:buNone/>
             </a:pPr>
-            <a:fld id="{F9106E72-F2A7-4F70-B5FE-483B98C58BDE}" type="slidenum">
+            <a:fld id="{993ACD43-1B25-4328-8A56-BBDD9341C70C}" type="slidenum">
               <a:rPr b="0" lang="en-US" sz="1200" spc="-1" strike="noStrike">
                 <a:solidFill>
                   <a:srgbClr val="000000"/>
@@ -2372,7 +2372,7 @@
         <p:spPr>
           <a:xfrm>
             <a:off x="380880" y="685800"/>
-            <a:ext cx="6092280" cy="3425400"/>
+            <a:ext cx="6091920" cy="3425040"/>
           </a:xfrm>
           <a:prstGeom prst="rect">
             <a:avLst/>
@@ -2395,7 +2395,7 @@
         <p:spPr>
           <a:xfrm>
             <a:off x="685800" y="4343400"/>
-            <a:ext cx="5482800" cy="4111200"/>
+            <a:ext cx="5482440" cy="4110840"/>
           </a:xfrm>
           <a:prstGeom prst="rect">
             <a:avLst/>
@@ -2429,7 +2429,7 @@
         <p:spPr>
           <a:xfrm>
             <a:off x="3884760" y="8685360"/>
-            <a:ext cx="2968200" cy="453600"/>
+            <a:ext cx="2967840" cy="453240"/>
           </a:xfrm>
           <a:prstGeom prst="rect">
             <a:avLst/>
@@ -2465,7 +2465,7 @@
               </a:lnSpc>
               <a:buNone/>
             </a:pPr>
-            <a:fld id="{455C6F13-2491-4337-8167-1D5C5EA0D1E0}" type="slidenum">
+            <a:fld id="{5BD6E8FC-BC0A-4DF6-BDE7-3254AD171E0A}" type="slidenum">
               <a:rPr b="0" lang="en-US" sz="1200" spc="-1" strike="noStrike">
                 <a:solidFill>
                   <a:srgbClr val="000000"/>
@@ -2516,7 +2516,7 @@
         <p:spPr>
           <a:xfrm>
             <a:off x="380880" y="685800"/>
-            <a:ext cx="6092280" cy="3425400"/>
+            <a:ext cx="6091920" cy="3425040"/>
           </a:xfrm>
           <a:prstGeom prst="rect">
             <a:avLst/>
@@ -2539,7 +2539,7 @@
         <p:spPr>
           <a:xfrm>
             <a:off x="685800" y="4343400"/>
-            <a:ext cx="5482800" cy="4111200"/>
+            <a:ext cx="5482440" cy="4110840"/>
           </a:xfrm>
           <a:prstGeom prst="rect">
             <a:avLst/>
@@ -2573,7 +2573,7 @@
         <p:spPr>
           <a:xfrm>
             <a:off x="3884760" y="8685360"/>
-            <a:ext cx="2968200" cy="453600"/>
+            <a:ext cx="2967840" cy="453240"/>
           </a:xfrm>
           <a:prstGeom prst="rect">
             <a:avLst/>
@@ -2609,7 +2609,7 @@
               </a:lnSpc>
               <a:buNone/>
             </a:pPr>
-            <a:fld id="{CA79CB8B-F3AF-4A94-810B-F2BB09BC776A}" type="slidenum">
+            <a:fld id="{AA338517-815F-474E-AD59-F2E98AD73223}" type="slidenum">
               <a:rPr b="0" lang="en-US" sz="1200" spc="-1" strike="noStrike">
                 <a:solidFill>
                   <a:srgbClr val="000000"/>
@@ -2660,7 +2660,7 @@
         <p:spPr>
           <a:xfrm>
             <a:off x="380880" y="685800"/>
-            <a:ext cx="6092280" cy="3425400"/>
+            <a:ext cx="6091920" cy="3425040"/>
           </a:xfrm>
           <a:prstGeom prst="rect">
             <a:avLst/>
@@ -2683,7 +2683,7 @@
         <p:spPr>
           <a:xfrm>
             <a:off x="685800" y="4343400"/>
-            <a:ext cx="5482800" cy="4111200"/>
+            <a:ext cx="5482440" cy="4110840"/>
           </a:xfrm>
           <a:prstGeom prst="rect">
             <a:avLst/>
@@ -2717,7 +2717,7 @@
         <p:spPr>
           <a:xfrm>
             <a:off x="3884760" y="8685360"/>
-            <a:ext cx="2968200" cy="453600"/>
+            <a:ext cx="2967840" cy="453240"/>
           </a:xfrm>
           <a:prstGeom prst="rect">
             <a:avLst/>
@@ -2753,7 +2753,7 @@
               </a:lnSpc>
               <a:buNone/>
             </a:pPr>
-            <a:fld id="{620C4A8F-02D5-4EC2-81F9-770F573991B3}" type="slidenum">
+            <a:fld id="{2A279F45-42BF-48EA-9E5E-4F272AFC394D}" type="slidenum">
               <a:rPr b="0" lang="en-US" sz="1200" spc="-1" strike="noStrike">
                 <a:solidFill>
                   <a:srgbClr val="000000"/>
@@ -2825,7 +2825,7 @@
         <p:txBody>
           <a:bodyPr/>
           <a:p>
-            <a:fld id="{4C489F16-BD98-4C96-A635-E92855B62B44}" type="slidenum">
+            <a:fld id="{73CB538E-B805-41BC-87B7-A7FDD04E2781}" type="slidenum">
               <a:t>&lt;#&gt;</a:t>
             </a:fld>
           </a:p>
@@ -3013,7 +3013,7 @@
         <p:txBody>
           <a:bodyPr/>
           <a:p>
-            <a:fld id="{CE2903B6-9FA1-4896-B599-75424E3F7042}" type="slidenum">
+            <a:fld id="{2AE0997E-A62F-477E-AE19-F2E198283AC0}" type="slidenum">
               <a:t>&lt;#&gt;</a:t>
             </a:fld>
           </a:p>
@@ -3269,7 +3269,7 @@
         <p:txBody>
           <a:bodyPr/>
           <a:p>
-            <a:fld id="{62AC9C75-C19E-4521-B986-13AD97A02408}" type="slidenum">
+            <a:fld id="{424D993D-03FE-4049-AD14-7244A78ADBA0}" type="slidenum">
               <a:t>&lt;#&gt;</a:t>
             </a:fld>
           </a:p>
@@ -3593,7 +3593,7 @@
         <p:txBody>
           <a:bodyPr/>
           <a:p>
-            <a:fld id="{78F74DDF-4721-4826-886D-90775FF0F9B0}" type="slidenum">
+            <a:fld id="{81A6CBA5-3E53-4BF4-808E-C55E984C3A10}" type="slidenum">
               <a:t>&lt;#&gt;</a:t>
             </a:fld>
           </a:p>
@@ -3750,7 +3750,7 @@
         <p:txBody>
           <a:bodyPr/>
           <a:p>
-            <a:fld id="{14743A52-E37A-4D2B-A7F3-272AC15A00D4}" type="slidenum">
+            <a:fld id="{419E33F4-422A-44D2-A126-F420B9C6CB67}" type="slidenum">
               <a:t>&lt;#&gt;</a:t>
             </a:fld>
           </a:p>
@@ -3904,7 +3904,7 @@
         <p:txBody>
           <a:bodyPr/>
           <a:p>
-            <a:fld id="{E0FFF72E-798C-454E-8013-DC4F631F920B}" type="slidenum">
+            <a:fld id="{60313EEA-0F7C-4FEF-B52B-70EF1C805A1D}" type="slidenum">
               <a:t>&lt;#&gt;</a:t>
             </a:fld>
           </a:p>
@@ -4092,7 +4092,7 @@
         <p:txBody>
           <a:bodyPr/>
           <a:p>
-            <a:fld id="{53C5F476-7101-4BBA-A7F2-BD1B2EF6ACB9}" type="slidenum">
+            <a:fld id="{EEA13562-A952-47CA-9CFF-38B1BAABECF4}" type="slidenum">
               <a:t>&lt;#&gt;</a:t>
             </a:fld>
           </a:p>
@@ -4212,7 +4212,7 @@
         <p:txBody>
           <a:bodyPr/>
           <a:p>
-            <a:fld id="{E6F33B75-F855-4655-AE03-CB631B230BC4}" type="slidenum">
+            <a:fld id="{CCEECFFD-08AC-4307-9191-DEB2E8B02F61}" type="slidenum">
               <a:t>&lt;#&gt;</a:t>
             </a:fld>
           </a:p>
@@ -4332,7 +4332,7 @@
         <p:txBody>
           <a:bodyPr/>
           <a:p>
-            <a:fld id="{D1256FBB-B3F5-4540-B2B0-795636DB88BC}" type="slidenum">
+            <a:fld id="{FF6BE8B8-AB2D-457F-B626-80C37675900A}" type="slidenum">
               <a:t>&lt;#&gt;</a:t>
             </a:fld>
           </a:p>
@@ -4554,7 +4554,7 @@
         <p:txBody>
           <a:bodyPr/>
           <a:p>
-            <a:fld id="{55A9729E-F7F8-4745-87CE-1D18F0D6A434}" type="slidenum">
+            <a:fld id="{05922441-0FBD-42B6-9040-26024C638C3B}" type="slidenum">
               <a:t>&lt;#&gt;</a:t>
             </a:fld>
           </a:p>
@@ -4776,7 +4776,7 @@
         <p:txBody>
           <a:bodyPr/>
           <a:p>
-            <a:fld id="{2E5AF910-C86F-48EA-9F2C-9E451A03A064}" type="slidenum">
+            <a:fld id="{8D2345A4-D2B4-4A4B-B225-C0B883917B90}" type="slidenum">
               <a:t>&lt;#&gt;</a:t>
             </a:fld>
           </a:p>
@@ -4998,7 +4998,7 @@
         <p:txBody>
           <a:bodyPr/>
           <a:p>
-            <a:fld id="{222374C3-4F72-4F95-8669-861319D8A5EF}" type="slidenum">
+            <a:fld id="{C5BA5E9F-E311-468A-B22A-215594819D7D}" type="slidenum">
               <a:t>&lt;#&gt;</a:t>
             </a:fld>
           </a:p>
@@ -5067,7 +5067,7 @@
         <p:spPr>
           <a:xfrm>
             <a:off x="3028680" y="4771440"/>
-            <a:ext cx="3083040" cy="271080"/>
+            <a:ext cx="3082680" cy="270720"/>
           </a:xfrm>
           <a:prstGeom prst="rect">
             <a:avLst/>
@@ -5111,7 +5111,7 @@
                 <a:latin typeface="Times New Roman"/>
                 <a:ea typeface="DejaVu Sans"/>
               </a:rPr>
-              <a:t> </a:t>
+              <a:t>&lt;footer&gt;</a:t>
             </a:r>
             <a:endParaRPr b="0" lang="en-US" sz="1400" spc="-1" strike="noStrike">
               <a:latin typeface="Times New Roman"/>
@@ -5132,7 +5132,7 @@
         <p:spPr>
           <a:xfrm>
             <a:off x="6457680" y="4771440"/>
-            <a:ext cx="2054520" cy="271080"/>
+            <a:ext cx="2054160" cy="270720"/>
           </a:xfrm>
           <a:prstGeom prst="rect">
             <a:avLst/>
@@ -5168,7 +5168,7 @@
               </a:lnSpc>
               <a:buNone/>
             </a:pPr>
-            <a:fld id="{CCE8DC0D-E992-40C8-A409-67E0A7F076F3}" type="slidenum">
+            <a:fld id="{AE31472D-E29D-4D3E-9B7B-34EDFEA6E384}" type="slidenum">
               <a:rPr b="0" lang="en-US" sz="1200" spc="-1" strike="noStrike">
                 <a:solidFill>
                   <a:srgbClr val="8b8b8b"/>
@@ -5176,7 +5176,7 @@
                 <a:latin typeface="Calibri"/>
                 <a:ea typeface="DejaVu Sans"/>
               </a:rPr>
-              <a:t>16</a:t>
+              <a:t>&lt;number&gt;</a:t>
             </a:fld>
             <a:endParaRPr b="0" lang="en-US" sz="1200" spc="-1" strike="noStrike">
               <a:latin typeface="Times New Roman"/>
@@ -5197,7 +5197,7 @@
         <p:spPr>
           <a:xfrm>
             <a:off x="628200" y="4771440"/>
-            <a:ext cx="2054520" cy="271080"/>
+            <a:ext cx="2054160" cy="270720"/>
           </a:xfrm>
           <a:prstGeom prst="rect">
             <a:avLst/>
@@ -5223,7 +5223,7 @@
               <a:rPr b="0" lang="en-US" sz="1400" spc="-1" strike="noStrike">
                 <a:latin typeface="Times New Roman"/>
               </a:rPr>
-              <a:t> </a:t>
+              <a:t>&lt;date/time&gt;</a:t>
             </a:r>
             <a:endParaRPr b="0" lang="en-US" sz="1400" spc="-1" strike="noStrike">
               <a:latin typeface="Times New Roman"/>
@@ -5509,8 +5509,8 @@
         </p:nvSpPr>
         <p:spPr>
           <a:xfrm rot="2744400">
-            <a:off x="-281880" y="-25920"/>
-            <a:ext cx="705240" cy="704880"/>
+            <a:off x="-281520" y="-25920"/>
+            <a:ext cx="704880" cy="704520"/>
           </a:xfrm>
           <a:prstGeom prst="roundRect">
             <a:avLst>
@@ -5547,8 +5547,8 @@
         </p:nvSpPr>
         <p:spPr>
           <a:xfrm rot="2625600">
-            <a:off x="6024960" y="4333320"/>
-            <a:ext cx="469080" cy="469080"/>
+            <a:off x="6024960" y="4332960"/>
+            <a:ext cx="468720" cy="468720"/>
           </a:xfrm>
           <a:prstGeom prst="roundRect">
             <a:avLst>
@@ -5585,8 +5585,8 @@
         </p:nvSpPr>
         <p:spPr>
           <a:xfrm rot="18679200">
-            <a:off x="7004520" y="948600"/>
-            <a:ext cx="4940640" cy="4667040"/>
+            <a:off x="7004160" y="948600"/>
+            <a:ext cx="4940280" cy="4666680"/>
           </a:xfrm>
           <a:prstGeom prst="roundRect">
             <a:avLst>
@@ -5624,7 +5624,7 @@
         <p:spPr>
           <a:xfrm>
             <a:off x="459720" y="4671360"/>
-            <a:ext cx="2996280" cy="267120"/>
+            <a:ext cx="2995920" cy="266760"/>
           </a:xfrm>
           <a:prstGeom prst="rect">
             <a:avLst/>
@@ -5689,8 +5689,8 @@
         </p:blipFill>
         <p:spPr>
           <a:xfrm>
-            <a:off x="2423160" y="4671720"/>
-            <a:ext cx="288720" cy="288720"/>
+            <a:off x="2971800" y="4740840"/>
+            <a:ext cx="288360" cy="288360"/>
           </a:xfrm>
           <a:prstGeom prst="rect">
             <a:avLst/>
@@ -5709,7 +5709,7 @@
         <p:spPr>
           <a:xfrm>
             <a:off x="484920" y="1681560"/>
-            <a:ext cx="5481720" cy="1883160"/>
+            <a:ext cx="5481360" cy="1882800"/>
           </a:xfrm>
           <a:prstGeom prst="rect">
             <a:avLst/>
@@ -5797,8 +5797,8 @@
         </p:nvSpPr>
         <p:spPr>
           <a:xfrm rot="2744400">
-            <a:off x="-281880" y="-25920"/>
-            <a:ext cx="705240" cy="704880"/>
+            <a:off x="-281520" y="-25920"/>
+            <a:ext cx="704880" cy="704520"/>
           </a:xfrm>
           <a:prstGeom prst="roundRect">
             <a:avLst>
@@ -5835,8 +5835,8 @@
         </p:nvSpPr>
         <p:spPr>
           <a:xfrm rot="2332200">
-            <a:off x="6009480" y="-320040"/>
-            <a:ext cx="4856400" cy="7727400"/>
+            <a:off x="6009480" y="-319680"/>
+            <a:ext cx="4856040" cy="7727040"/>
           </a:xfrm>
           <a:prstGeom prst="roundRect">
             <a:avLst>
@@ -5874,9 +5874,9 @@
         <p:grpSpPr>
           <a:xfrm>
             <a:off x="4571640" y="828000"/>
-            <a:ext cx="4469040" cy="3565080"/>
+            <a:ext cx="4468680" cy="3564720"/>
             <a:chOff x="4571640" y="828000"/>
-            <a:chExt cx="4469040" cy="3565080"/>
+            <a:chExt cx="4468680" cy="3564720"/>
           </a:xfrm>
         </p:grpSpPr>
         <p:pic>
@@ -5892,7 +5892,7 @@
           <p:spPr>
             <a:xfrm>
               <a:off x="4571640" y="828000"/>
-              <a:ext cx="4469040" cy="3565080"/>
+              <a:ext cx="4468680" cy="3564720"/>
             </a:xfrm>
             <a:prstGeom prst="rect">
               <a:avLst/>
@@ -5910,8 +5910,8 @@
           </p:nvSpPr>
           <p:spPr>
             <a:xfrm rot="16200000">
-              <a:off x="5962680" y="1158120"/>
-              <a:ext cx="1738080" cy="2772000"/>
+              <a:off x="5962680" y="1158480"/>
+              <a:ext cx="1737720" cy="2771640"/>
             </a:xfrm>
             <a:prstGeom prst="roundRect">
               <a:avLst>
@@ -5978,7 +5978,7 @@
         <p:spPr>
           <a:xfrm>
             <a:off x="5446080" y="1672200"/>
-            <a:ext cx="2771640" cy="1738080"/>
+            <a:ext cx="2771280" cy="1737720"/>
           </a:xfrm>
           <a:prstGeom prst="rect">
             <a:avLst/>
@@ -6030,7 +6030,7 @@
         <p:spPr>
           <a:xfrm>
             <a:off x="586440" y="1246680"/>
-            <a:ext cx="4005000" cy="3600720"/>
+            <a:ext cx="4004640" cy="3600360"/>
           </a:xfrm>
           <a:prstGeom prst="rect">
             <a:avLst/>
@@ -6082,7 +6082,7 @@
         <p:spPr>
           <a:xfrm>
             <a:off x="586440" y="453960"/>
-            <a:ext cx="4764960" cy="856080"/>
+            <a:ext cx="4764600" cy="855720"/>
           </a:xfrm>
           <a:prstGeom prst="rect">
             <a:avLst/>
@@ -6171,7 +6171,7 @@
         <p:spPr>
           <a:xfrm rot="2745600">
             <a:off x="8349840" y="-668160"/>
-            <a:ext cx="1499040" cy="1499040"/>
+            <a:ext cx="1498680" cy="1498680"/>
           </a:xfrm>
           <a:prstGeom prst="roundRect">
             <a:avLst>
@@ -6208,8 +6208,8 @@
         </p:nvSpPr>
         <p:spPr>
           <a:xfrm rot="2745600">
-            <a:off x="7634160" y="-322920"/>
-            <a:ext cx="807840" cy="808200"/>
+            <a:off x="7634160" y="-322560"/>
+            <a:ext cx="807480" cy="807840"/>
           </a:xfrm>
           <a:prstGeom prst="roundRect">
             <a:avLst>
@@ -6248,7 +6248,7 @@
         <p:spPr>
           <a:xfrm>
             <a:off x="586440" y="899640"/>
-            <a:ext cx="7932600" cy="1537920"/>
+            <a:ext cx="7932240" cy="1537560"/>
           </a:xfrm>
           <a:prstGeom prst="rect">
             <a:avLst/>
@@ -6300,7 +6300,7 @@
         <p:spPr>
           <a:xfrm>
             <a:off x="608040" y="2545560"/>
-            <a:ext cx="3713040" cy="2256480"/>
+            <a:ext cx="3712680" cy="2256120"/>
           </a:xfrm>
           <a:prstGeom prst="rect">
             <a:avLst/>
@@ -6352,7 +6352,7 @@
         <p:spPr>
           <a:xfrm>
             <a:off x="4806360" y="2545560"/>
-            <a:ext cx="3713040" cy="2256480"/>
+            <a:ext cx="3712680" cy="2256120"/>
           </a:xfrm>
           <a:prstGeom prst="rect">
             <a:avLst/>
@@ -6404,7 +6404,7 @@
         <p:spPr>
           <a:xfrm>
             <a:off x="583200" y="450720"/>
-            <a:ext cx="7198920" cy="513000"/>
+            <a:ext cx="7198560" cy="512640"/>
           </a:xfrm>
           <a:prstGeom prst="rect">
             <a:avLst/>
@@ -6486,7 +6486,7 @@
         <p:spPr>
           <a:xfrm>
             <a:off x="586440" y="1246680"/>
-            <a:ext cx="4005000" cy="3600720"/>
+            <a:ext cx="4004640" cy="3600360"/>
           </a:xfrm>
           <a:prstGeom prst="rect">
             <a:avLst/>
@@ -6538,7 +6538,7 @@
         <p:spPr>
           <a:xfrm>
             <a:off x="559800" y="446040"/>
-            <a:ext cx="4284360" cy="684360"/>
+            <a:ext cx="4284000" cy="684000"/>
           </a:xfrm>
           <a:prstGeom prst="rect">
             <a:avLst/>
@@ -6590,7 +6590,7 @@
         <p:spPr>
           <a:xfrm>
             <a:off x="5097600" y="360"/>
-            <a:ext cx="4380480" cy="5144760"/>
+            <a:ext cx="4380120" cy="5144400"/>
           </a:xfrm>
           <a:prstGeom prst="roundRect">
             <a:avLst>
@@ -6655,8 +6655,8 @@
         </p:nvSpPr>
         <p:spPr>
           <a:xfrm rot="2744400">
-            <a:off x="-281880" y="-25920"/>
-            <a:ext cx="705240" cy="704880"/>
+            <a:off x="-281520" y="-25920"/>
+            <a:ext cx="704880" cy="704520"/>
           </a:xfrm>
           <a:prstGeom prst="roundRect">
             <a:avLst>
@@ -6693,8 +6693,8 @@
         </p:nvSpPr>
         <p:spPr>
           <a:xfrm rot="2625600">
-            <a:off x="4861080" y="4147200"/>
-            <a:ext cx="469080" cy="469080"/>
+            <a:off x="4861080" y="4146840"/>
+            <a:ext cx="468720" cy="468720"/>
           </a:xfrm>
           <a:prstGeom prst="roundRect">
             <a:avLst>
@@ -6768,8 +6768,8 @@
         </p:nvSpPr>
         <p:spPr>
           <a:xfrm rot="2744400">
-            <a:off x="-351000" y="4540680"/>
-            <a:ext cx="705240" cy="704880"/>
+            <a:off x="-350640" y="4540320"/>
+            <a:ext cx="704880" cy="704520"/>
           </a:xfrm>
           <a:prstGeom prst="roundRect">
             <a:avLst>
@@ -6806,8 +6806,8 @@
         </p:nvSpPr>
         <p:spPr>
           <a:xfrm rot="19228200">
-            <a:off x="5847120" y="-2267280"/>
-            <a:ext cx="4856040" cy="7727040"/>
+            <a:off x="5846760" y="-2266920"/>
+            <a:ext cx="4855680" cy="7726680"/>
           </a:xfrm>
           <a:prstGeom prst="roundRect">
             <a:avLst>
@@ -6845,9 +6845,9 @@
         <p:grpSpPr>
           <a:xfrm>
             <a:off x="4571640" y="828000"/>
-            <a:ext cx="4469040" cy="3565080"/>
+            <a:ext cx="4468680" cy="3564720"/>
             <a:chOff x="4571640" y="828000"/>
-            <a:chExt cx="4469040" cy="3565080"/>
+            <a:chExt cx="4468680" cy="3564720"/>
           </a:xfrm>
         </p:grpSpPr>
         <p:pic>
@@ -6863,7 +6863,7 @@
           <p:spPr>
             <a:xfrm>
               <a:off x="4571640" y="828000"/>
-              <a:ext cx="4469040" cy="3565080"/>
+              <a:ext cx="4468680" cy="3564720"/>
             </a:xfrm>
             <a:prstGeom prst="rect">
               <a:avLst/>
@@ -6881,8 +6881,8 @@
           </p:nvSpPr>
           <p:spPr>
             <a:xfrm rot="16200000">
-              <a:off x="5962680" y="1158120"/>
-              <a:ext cx="1738080" cy="2772000"/>
+              <a:off x="5962680" y="1158480"/>
+              <a:ext cx="1737720" cy="2771640"/>
             </a:xfrm>
             <a:prstGeom prst="roundRect">
               <a:avLst>
@@ -6949,7 +6949,7 @@
         <p:spPr>
           <a:xfrm>
             <a:off x="586440" y="1246680"/>
-            <a:ext cx="4005000" cy="3600720"/>
+            <a:ext cx="4004640" cy="3600360"/>
           </a:xfrm>
           <a:prstGeom prst="rect">
             <a:avLst/>
@@ -7001,7 +7001,7 @@
         <p:spPr>
           <a:xfrm>
             <a:off x="5446080" y="1672200"/>
-            <a:ext cx="2781000" cy="1738080"/>
+            <a:ext cx="2780640" cy="1737720"/>
           </a:xfrm>
           <a:prstGeom prst="rect">
             <a:avLst/>
@@ -7053,7 +7053,7 @@
         <p:spPr>
           <a:xfrm>
             <a:off x="586440" y="453960"/>
-            <a:ext cx="3697560" cy="856080"/>
+            <a:ext cx="3697200" cy="855720"/>
           </a:xfrm>
           <a:prstGeom prst="rect">
             <a:avLst/>
@@ -7142,7 +7142,7 @@
         <p:spPr>
           <a:xfrm>
             <a:off x="4222080" y="1246680"/>
-            <a:ext cx="4115880" cy="3600720"/>
+            <a:ext cx="4115520" cy="3600360"/>
           </a:xfrm>
           <a:prstGeom prst="rect">
             <a:avLst/>
@@ -7193,8 +7193,8 @@
         </p:nvSpPr>
         <p:spPr>
           <a:xfrm rot="16200000">
-            <a:off x="-2181600" y="1732680"/>
-            <a:ext cx="5144760" cy="1684800"/>
+            <a:off x="-2181600" y="1733040"/>
+            <a:ext cx="5144400" cy="1684440"/>
           </a:xfrm>
           <a:prstGeom prst="roundRect">
             <a:avLst>
@@ -7231,8 +7231,8 @@
         </p:nvSpPr>
         <p:spPr>
           <a:xfrm rot="2745000">
-            <a:off x="8575200" y="104400"/>
-            <a:ext cx="1133280" cy="1132920"/>
+            <a:off x="8575200" y="104040"/>
+            <a:ext cx="1132920" cy="1132560"/>
           </a:xfrm>
           <a:prstGeom prst="roundRect">
             <a:avLst>
@@ -7269,8 +7269,8 @@
         </p:nvSpPr>
         <p:spPr>
           <a:xfrm rot="16200000">
-            <a:off x="614880" y="918000"/>
-            <a:ext cx="3232800" cy="3314520"/>
+            <a:off x="614880" y="918360"/>
+            <a:ext cx="3232440" cy="3314160"/>
           </a:xfrm>
           <a:prstGeom prst="roundRect">
             <a:avLst>
@@ -7336,7 +7336,7 @@
         <p:spPr>
           <a:xfrm>
             <a:off x="4214160" y="456120"/>
-            <a:ext cx="4112640" cy="856080"/>
+            <a:ext cx="4112280" cy="855720"/>
           </a:xfrm>
           <a:prstGeom prst="rect">
             <a:avLst/>
@@ -7424,8 +7424,8 @@
         </p:nvSpPr>
         <p:spPr>
           <a:xfrm rot="2744400">
-            <a:off x="-281880" y="-25920"/>
-            <a:ext cx="705240" cy="704880"/>
+            <a:off x="-281520" y="-25920"/>
+            <a:ext cx="704880" cy="704520"/>
           </a:xfrm>
           <a:prstGeom prst="roundRect">
             <a:avLst>
@@ -7462,8 +7462,8 @@
         </p:nvSpPr>
         <p:spPr>
           <a:xfrm rot="2332200">
-            <a:off x="6009480" y="-320040"/>
-            <a:ext cx="4856400" cy="7727400"/>
+            <a:off x="6009480" y="-319680"/>
+            <a:ext cx="4856040" cy="7727040"/>
           </a:xfrm>
           <a:prstGeom prst="roundRect">
             <a:avLst>
@@ -7501,9 +7501,9 @@
         <p:grpSpPr>
           <a:xfrm>
             <a:off x="4571640" y="828000"/>
-            <a:ext cx="4469040" cy="3565080"/>
+            <a:ext cx="4468680" cy="3564720"/>
             <a:chOff x="4571640" y="828000"/>
-            <a:chExt cx="4469040" cy="3565080"/>
+            <a:chExt cx="4468680" cy="3564720"/>
           </a:xfrm>
         </p:grpSpPr>
         <p:pic>
@@ -7519,7 +7519,7 @@
           <p:spPr>
             <a:xfrm>
               <a:off x="4571640" y="828000"/>
-              <a:ext cx="4469040" cy="3565080"/>
+              <a:ext cx="4468680" cy="3564720"/>
             </a:xfrm>
             <a:prstGeom prst="rect">
               <a:avLst/>
@@ -7537,8 +7537,8 @@
           </p:nvSpPr>
           <p:spPr>
             <a:xfrm rot="16200000">
-              <a:off x="5962680" y="1158120"/>
-              <a:ext cx="1738080" cy="2772000"/>
+              <a:off x="5962680" y="1158480"/>
+              <a:ext cx="1737720" cy="2771640"/>
             </a:xfrm>
             <a:prstGeom prst="roundRect">
               <a:avLst>
@@ -7605,7 +7605,7 @@
         <p:spPr>
           <a:xfrm>
             <a:off x="5446080" y="1672200"/>
-            <a:ext cx="2771640" cy="1738080"/>
+            <a:ext cx="2771280" cy="1737720"/>
           </a:xfrm>
           <a:prstGeom prst="rect">
             <a:avLst/>
@@ -7657,7 +7657,7 @@
         <p:spPr>
           <a:xfrm>
             <a:off x="586440" y="1246680"/>
-            <a:ext cx="4005000" cy="3600720"/>
+            <a:ext cx="4004640" cy="3600360"/>
           </a:xfrm>
           <a:prstGeom prst="rect">
             <a:avLst/>
@@ -7709,7 +7709,7 @@
         <p:spPr>
           <a:xfrm>
             <a:off x="586440" y="453960"/>
-            <a:ext cx="4764960" cy="856080"/>
+            <a:ext cx="4764600" cy="855720"/>
           </a:xfrm>
           <a:prstGeom prst="rect">
             <a:avLst/>
@@ -7798,7 +7798,7 @@
         <p:spPr>
           <a:xfrm rot="2745600">
             <a:off x="8349840" y="-668160"/>
-            <a:ext cx="1499040" cy="1499040"/>
+            <a:ext cx="1498680" cy="1498680"/>
           </a:xfrm>
           <a:prstGeom prst="roundRect">
             <a:avLst>
@@ -7835,8 +7835,8 @@
         </p:nvSpPr>
         <p:spPr>
           <a:xfrm rot="2745600">
-            <a:off x="7634160" y="-322920"/>
-            <a:ext cx="807840" cy="808200"/>
+            <a:off x="7634160" y="-322560"/>
+            <a:ext cx="807480" cy="807840"/>
           </a:xfrm>
           <a:prstGeom prst="roundRect">
             <a:avLst>
@@ -7875,7 +7875,7 @@
         <p:spPr>
           <a:xfrm>
             <a:off x="586440" y="899640"/>
-            <a:ext cx="7932600" cy="1537920"/>
+            <a:ext cx="7932240" cy="1537560"/>
           </a:xfrm>
           <a:prstGeom prst="rect">
             <a:avLst/>
@@ -7927,7 +7927,7 @@
         <p:spPr>
           <a:xfrm>
             <a:off x="608040" y="2545560"/>
-            <a:ext cx="3713040" cy="2256480"/>
+            <a:ext cx="3712680" cy="2256120"/>
           </a:xfrm>
           <a:prstGeom prst="rect">
             <a:avLst/>
@@ -7979,7 +7979,7 @@
         <p:spPr>
           <a:xfrm>
             <a:off x="4806360" y="2545560"/>
-            <a:ext cx="3713040" cy="2256480"/>
+            <a:ext cx="3712680" cy="2256120"/>
           </a:xfrm>
           <a:prstGeom prst="rect">
             <a:avLst/>
@@ -8031,7 +8031,7 @@
         <p:spPr>
           <a:xfrm>
             <a:off x="583200" y="450720"/>
-            <a:ext cx="7198920" cy="513000"/>
+            <a:ext cx="7198560" cy="512640"/>
           </a:xfrm>
           <a:prstGeom prst="rect">
             <a:avLst/>
@@ -8119,8 +8119,8 @@
         </p:nvSpPr>
         <p:spPr>
           <a:xfrm rot="2744400">
-            <a:off x="-281880" y="-25920"/>
-            <a:ext cx="705240" cy="704880"/>
+            <a:off x="-281520" y="-25920"/>
+            <a:ext cx="704880" cy="704520"/>
           </a:xfrm>
           <a:prstGeom prst="roundRect">
             <a:avLst>
@@ -8158,7 +8158,7 @@
         <p:spPr>
           <a:xfrm>
             <a:off x="569160" y="1888920"/>
-            <a:ext cx="4821840" cy="820800"/>
+            <a:ext cx="4821480" cy="820800"/>
           </a:xfrm>
           <a:prstGeom prst="rect">
             <a:avLst/>
@@ -8209,8 +8209,8 @@
         </p:nvSpPr>
         <p:spPr>
           <a:xfrm rot="18679800">
-            <a:off x="6782760" y="457560"/>
-            <a:ext cx="6251400" cy="4667040"/>
+            <a:off x="6782400" y="457560"/>
+            <a:ext cx="6251040" cy="4666680"/>
           </a:xfrm>
           <a:prstGeom prst="roundRect">
             <a:avLst>
@@ -8247,8 +8247,8 @@
         </p:nvSpPr>
         <p:spPr>
           <a:xfrm rot="2625600">
-            <a:off x="6024960" y="4333320"/>
-            <a:ext cx="469080" cy="469080"/>
+            <a:off x="6024960" y="4332960"/>
+            <a:ext cx="468720" cy="468720"/>
           </a:xfrm>
           <a:prstGeom prst="roundRect">
             <a:avLst>
@@ -8286,7 +8286,7 @@
         <p:spPr>
           <a:xfrm>
             <a:off x="1640880" y="4592880"/>
-            <a:ext cx="2996280" cy="267120"/>
+            <a:ext cx="2995920" cy="266760"/>
           </a:xfrm>
           <a:prstGeom prst="rect">
             <a:avLst/>
@@ -8348,7 +8348,7 @@
         <p:spPr>
           <a:xfrm>
             <a:off x="867240" y="3590280"/>
-            <a:ext cx="254160" cy="254520"/>
+            <a:ext cx="253800" cy="254160"/>
           </a:xfrm>
           <a:prstGeom prst="ellipse">
             <a:avLst/>
@@ -8383,7 +8383,7 @@
         <p:spPr>
           <a:xfrm>
             <a:off x="351000" y="3793320"/>
-            <a:ext cx="1286640" cy="1132200"/>
+            <a:ext cx="1286280" cy="1131840"/>
           </a:xfrm>
           <a:prstGeom prst="rect">
             <a:avLst/>
@@ -8432,7 +8432,7 @@
         <p:spPr>
           <a:xfrm>
             <a:off x="586440" y="1246680"/>
-            <a:ext cx="4005000" cy="3600720"/>
+            <a:ext cx="4004640" cy="3600360"/>
           </a:xfrm>
           <a:prstGeom prst="rect">
             <a:avLst/>
@@ -8484,7 +8484,7 @@
         <p:spPr>
           <a:xfrm>
             <a:off x="559800" y="446040"/>
-            <a:ext cx="4284360" cy="684360"/>
+            <a:ext cx="4284000" cy="684000"/>
           </a:xfrm>
           <a:prstGeom prst="rect">
             <a:avLst/>
@@ -8536,7 +8536,7 @@
         <p:spPr>
           <a:xfrm>
             <a:off x="5097600" y="360"/>
-            <a:ext cx="4380480" cy="5144760"/>
+            <a:ext cx="4380120" cy="5144400"/>
           </a:xfrm>
           <a:prstGeom prst="roundRect">
             <a:avLst>
@@ -8601,8 +8601,8 @@
         </p:nvSpPr>
         <p:spPr>
           <a:xfrm rot="2744400">
-            <a:off x="-281880" y="-25920"/>
-            <a:ext cx="705240" cy="704880"/>
+            <a:off x="-281520" y="-25920"/>
+            <a:ext cx="704880" cy="704520"/>
           </a:xfrm>
           <a:prstGeom prst="roundRect">
             <a:avLst>
@@ -8639,8 +8639,8 @@
         </p:nvSpPr>
         <p:spPr>
           <a:xfrm rot="2625600">
-            <a:off x="4861080" y="4147200"/>
-            <a:ext cx="469080" cy="469080"/>
+            <a:off x="4861080" y="4146840"/>
+            <a:ext cx="468720" cy="468720"/>
           </a:xfrm>
           <a:prstGeom prst="roundRect">
             <a:avLst>
@@ -8714,8 +8714,8 @@
         </p:nvSpPr>
         <p:spPr>
           <a:xfrm rot="2744400">
-            <a:off x="-351000" y="4540680"/>
-            <a:ext cx="705240" cy="704880"/>
+            <a:off x="-350640" y="4540320"/>
+            <a:ext cx="704880" cy="704520"/>
           </a:xfrm>
           <a:prstGeom prst="roundRect">
             <a:avLst>
@@ -8752,8 +8752,8 @@
         </p:nvSpPr>
         <p:spPr>
           <a:xfrm rot="19228200">
-            <a:off x="5847120" y="-2267280"/>
-            <a:ext cx="4856040" cy="7727040"/>
+            <a:off x="5846760" y="-2266920"/>
+            <a:ext cx="4855680" cy="7726680"/>
           </a:xfrm>
           <a:prstGeom prst="roundRect">
             <a:avLst>
@@ -8791,9 +8791,9 @@
         <p:grpSpPr>
           <a:xfrm>
             <a:off x="4571640" y="828000"/>
-            <a:ext cx="4469040" cy="3565080"/>
+            <a:ext cx="4468680" cy="3564720"/>
             <a:chOff x="4571640" y="828000"/>
-            <a:chExt cx="4469040" cy="3565080"/>
+            <a:chExt cx="4468680" cy="3564720"/>
           </a:xfrm>
         </p:grpSpPr>
         <p:pic>
@@ -8809,7 +8809,7 @@
           <p:spPr>
             <a:xfrm>
               <a:off x="4571640" y="828000"/>
-              <a:ext cx="4469040" cy="3565080"/>
+              <a:ext cx="4468680" cy="3564720"/>
             </a:xfrm>
             <a:prstGeom prst="rect">
               <a:avLst/>
@@ -8827,8 +8827,8 @@
           </p:nvSpPr>
           <p:spPr>
             <a:xfrm rot="16200000">
-              <a:off x="5962680" y="1158120"/>
-              <a:ext cx="1738080" cy="2772000"/>
+              <a:off x="5962680" y="1158480"/>
+              <a:ext cx="1737720" cy="2771640"/>
             </a:xfrm>
             <a:prstGeom prst="roundRect">
               <a:avLst>
@@ -8895,7 +8895,7 @@
         <p:spPr>
           <a:xfrm>
             <a:off x="586440" y="1246680"/>
-            <a:ext cx="4005000" cy="3600720"/>
+            <a:ext cx="4004640" cy="3600360"/>
           </a:xfrm>
           <a:prstGeom prst="rect">
             <a:avLst/>
@@ -8947,7 +8947,7 @@
         <p:spPr>
           <a:xfrm>
             <a:off x="5446080" y="1672200"/>
-            <a:ext cx="2781000" cy="1738080"/>
+            <a:ext cx="2780640" cy="1737720"/>
           </a:xfrm>
           <a:prstGeom prst="rect">
             <a:avLst/>
@@ -8999,7 +8999,7 @@
         <p:spPr>
           <a:xfrm>
             <a:off x="586440" y="453960"/>
-            <a:ext cx="3697560" cy="856080"/>
+            <a:ext cx="3697200" cy="855720"/>
           </a:xfrm>
           <a:prstGeom prst="rect">
             <a:avLst/>
@@ -9088,7 +9088,7 @@
         <p:spPr>
           <a:xfrm>
             <a:off x="4222080" y="1246680"/>
-            <a:ext cx="4115880" cy="3600720"/>
+            <a:ext cx="4115520" cy="3600360"/>
           </a:xfrm>
           <a:prstGeom prst="rect">
             <a:avLst/>
@@ -9139,8 +9139,8 @@
         </p:nvSpPr>
         <p:spPr>
           <a:xfrm rot="16200000">
-            <a:off x="-2181600" y="1732680"/>
-            <a:ext cx="5144760" cy="1684800"/>
+            <a:off x="-2181600" y="1733040"/>
+            <a:ext cx="5144400" cy="1684440"/>
           </a:xfrm>
           <a:prstGeom prst="roundRect">
             <a:avLst>
@@ -9177,8 +9177,8 @@
         </p:nvSpPr>
         <p:spPr>
           <a:xfrm rot="2745000">
-            <a:off x="8575200" y="104400"/>
-            <a:ext cx="1133280" cy="1132920"/>
+            <a:off x="8575200" y="104040"/>
+            <a:ext cx="1132920" cy="1132560"/>
           </a:xfrm>
           <a:prstGeom prst="roundRect">
             <a:avLst>
@@ -9215,8 +9215,8 @@
         </p:nvSpPr>
         <p:spPr>
           <a:xfrm rot="16200000">
-            <a:off x="614880" y="918000"/>
-            <a:ext cx="3232800" cy="3314520"/>
+            <a:off x="614880" y="918360"/>
+            <a:ext cx="3232440" cy="3314160"/>
           </a:xfrm>
           <a:prstGeom prst="roundRect">
             <a:avLst>
@@ -9282,7 +9282,7 @@
         <p:spPr>
           <a:xfrm>
             <a:off x="4214160" y="456120"/>
-            <a:ext cx="4112640" cy="856080"/>
+            <a:ext cx="4112280" cy="855720"/>
           </a:xfrm>
           <a:prstGeom prst="rect">
             <a:avLst/>
@@ -9370,8 +9370,8 @@
         </p:nvSpPr>
         <p:spPr>
           <a:xfrm rot="2744400">
-            <a:off x="-281880" y="-25920"/>
-            <a:ext cx="705240" cy="704880"/>
+            <a:off x="-281520" y="-25920"/>
+            <a:ext cx="704880" cy="704520"/>
           </a:xfrm>
           <a:prstGeom prst="roundRect">
             <a:avLst>
@@ -9408,8 +9408,8 @@
         </p:nvSpPr>
         <p:spPr>
           <a:xfrm rot="2332200">
-            <a:off x="6009480" y="-320040"/>
-            <a:ext cx="4856400" cy="7727400"/>
+            <a:off x="6009480" y="-319680"/>
+            <a:ext cx="4856040" cy="7727040"/>
           </a:xfrm>
           <a:prstGeom prst="roundRect">
             <a:avLst>
@@ -9447,9 +9447,9 @@
         <p:grpSpPr>
           <a:xfrm>
             <a:off x="4571640" y="828000"/>
-            <a:ext cx="4469040" cy="3565080"/>
+            <a:ext cx="4468680" cy="3564720"/>
             <a:chOff x="4571640" y="828000"/>
-            <a:chExt cx="4469040" cy="3565080"/>
+            <a:chExt cx="4468680" cy="3564720"/>
           </a:xfrm>
         </p:grpSpPr>
         <p:pic>
@@ -9465,7 +9465,7 @@
           <p:spPr>
             <a:xfrm>
               <a:off x="4571640" y="828000"/>
-              <a:ext cx="4469040" cy="3565080"/>
+              <a:ext cx="4468680" cy="3564720"/>
             </a:xfrm>
             <a:prstGeom prst="rect">
               <a:avLst/>
@@ -9483,8 +9483,8 @@
           </p:nvSpPr>
           <p:spPr>
             <a:xfrm rot="16200000">
-              <a:off x="5962680" y="1158120"/>
-              <a:ext cx="1738080" cy="2772000"/>
+              <a:off x="5962680" y="1158480"/>
+              <a:ext cx="1737720" cy="2771640"/>
             </a:xfrm>
             <a:prstGeom prst="roundRect">
               <a:avLst>
@@ -9551,7 +9551,7 @@
         <p:spPr>
           <a:xfrm>
             <a:off x="5446080" y="1672200"/>
-            <a:ext cx="2771640" cy="1738080"/>
+            <a:ext cx="2771280" cy="1737720"/>
           </a:xfrm>
           <a:prstGeom prst="rect">
             <a:avLst/>
@@ -9603,7 +9603,7 @@
         <p:spPr>
           <a:xfrm>
             <a:off x="586440" y="1246680"/>
-            <a:ext cx="4005000" cy="3600720"/>
+            <a:ext cx="4004640" cy="3600360"/>
           </a:xfrm>
           <a:prstGeom prst="rect">
             <a:avLst/>
@@ -9655,7 +9655,7 @@
         <p:spPr>
           <a:xfrm>
             <a:off x="586440" y="453960"/>
-            <a:ext cx="4764960" cy="856080"/>
+            <a:ext cx="4764600" cy="855720"/>
           </a:xfrm>
           <a:prstGeom prst="rect">
             <a:avLst/>
@@ -9744,7 +9744,7 @@
         <p:spPr>
           <a:xfrm rot="2745600">
             <a:off x="8349840" y="-668160"/>
-            <a:ext cx="1499040" cy="1499040"/>
+            <a:ext cx="1498680" cy="1498680"/>
           </a:xfrm>
           <a:prstGeom prst="roundRect">
             <a:avLst>
@@ -9781,8 +9781,8 @@
         </p:nvSpPr>
         <p:spPr>
           <a:xfrm rot="2745600">
-            <a:off x="7634160" y="-322920"/>
-            <a:ext cx="807840" cy="808200"/>
+            <a:off x="7634160" y="-322560"/>
+            <a:ext cx="807480" cy="807840"/>
           </a:xfrm>
           <a:prstGeom prst="roundRect">
             <a:avLst>
@@ -9821,7 +9821,7 @@
         <p:spPr>
           <a:xfrm>
             <a:off x="586440" y="899640"/>
-            <a:ext cx="7932600" cy="1537920"/>
+            <a:ext cx="7932240" cy="1537560"/>
           </a:xfrm>
           <a:prstGeom prst="rect">
             <a:avLst/>
@@ -9873,7 +9873,7 @@
         <p:spPr>
           <a:xfrm>
             <a:off x="608040" y="2545560"/>
-            <a:ext cx="3713040" cy="2256480"/>
+            <a:ext cx="3712680" cy="2256120"/>
           </a:xfrm>
           <a:prstGeom prst="rect">
             <a:avLst/>
@@ -9925,7 +9925,7 @@
         <p:spPr>
           <a:xfrm>
             <a:off x="4806360" y="2545560"/>
-            <a:ext cx="3713040" cy="2256480"/>
+            <a:ext cx="3712680" cy="2256120"/>
           </a:xfrm>
           <a:prstGeom prst="rect">
             <a:avLst/>
@@ -9977,7 +9977,7 @@
         <p:spPr>
           <a:xfrm>
             <a:off x="583200" y="450720"/>
-            <a:ext cx="7198920" cy="513000"/>
+            <a:ext cx="7198560" cy="512640"/>
           </a:xfrm>
           <a:prstGeom prst="rect">
             <a:avLst/>
@@ -10059,7 +10059,7 @@
         <p:spPr>
           <a:xfrm>
             <a:off x="586440" y="1246680"/>
-            <a:ext cx="4005000" cy="3600720"/>
+            <a:ext cx="4004640" cy="3600360"/>
           </a:xfrm>
           <a:prstGeom prst="rect">
             <a:avLst/>
@@ -10111,7 +10111,7 @@
         <p:spPr>
           <a:xfrm>
             <a:off x="559800" y="446040"/>
-            <a:ext cx="4284360" cy="684360"/>
+            <a:ext cx="4284000" cy="684000"/>
           </a:xfrm>
           <a:prstGeom prst="rect">
             <a:avLst/>
@@ -10163,7 +10163,7 @@
         <p:spPr>
           <a:xfrm>
             <a:off x="5097600" y="360"/>
-            <a:ext cx="4380480" cy="5144760"/>
+            <a:ext cx="4380120" cy="5144400"/>
           </a:xfrm>
           <a:prstGeom prst="roundRect">
             <a:avLst>
@@ -10228,8 +10228,8 @@
         </p:nvSpPr>
         <p:spPr>
           <a:xfrm rot="2744400">
-            <a:off x="-281880" y="-25920"/>
-            <a:ext cx="705240" cy="704880"/>
+            <a:off x="-281520" y="-25920"/>
+            <a:ext cx="704880" cy="704520"/>
           </a:xfrm>
           <a:prstGeom prst="roundRect">
             <a:avLst>
@@ -10266,8 +10266,8 @@
         </p:nvSpPr>
         <p:spPr>
           <a:xfrm rot="2625600">
-            <a:off x="4861080" y="4147200"/>
-            <a:ext cx="469080" cy="469080"/>
+            <a:off x="4861080" y="4146840"/>
+            <a:ext cx="468720" cy="468720"/>
           </a:xfrm>
           <a:prstGeom prst="roundRect">
             <a:avLst>
@@ -10341,8 +10341,8 @@
         </p:nvSpPr>
         <p:spPr>
           <a:xfrm rot="2744400">
-            <a:off x="-351000" y="4540680"/>
-            <a:ext cx="705240" cy="704880"/>
+            <a:off x="-350640" y="4540320"/>
+            <a:ext cx="704880" cy="704520"/>
           </a:xfrm>
           <a:prstGeom prst="roundRect">
             <a:avLst>
@@ -10379,8 +10379,8 @@
         </p:nvSpPr>
         <p:spPr>
           <a:xfrm rot="19228200">
-            <a:off x="5847120" y="-2267280"/>
-            <a:ext cx="4856040" cy="7727040"/>
+            <a:off x="5846760" y="-2266920"/>
+            <a:ext cx="4855680" cy="7726680"/>
           </a:xfrm>
           <a:prstGeom prst="roundRect">
             <a:avLst>
@@ -10418,9 +10418,9 @@
         <p:grpSpPr>
           <a:xfrm>
             <a:off x="4571640" y="828000"/>
-            <a:ext cx="4469040" cy="3565080"/>
+            <a:ext cx="4468680" cy="3564720"/>
             <a:chOff x="4571640" y="828000"/>
-            <a:chExt cx="4469040" cy="3565080"/>
+            <a:chExt cx="4468680" cy="3564720"/>
           </a:xfrm>
         </p:grpSpPr>
         <p:pic>
@@ -10436,7 +10436,7 @@
           <p:spPr>
             <a:xfrm>
               <a:off x="4571640" y="828000"/>
-              <a:ext cx="4469040" cy="3565080"/>
+              <a:ext cx="4468680" cy="3564720"/>
             </a:xfrm>
             <a:prstGeom prst="rect">
               <a:avLst/>
@@ -10454,8 +10454,8 @@
           </p:nvSpPr>
           <p:spPr>
             <a:xfrm rot="16200000">
-              <a:off x="5962680" y="1158120"/>
-              <a:ext cx="1738080" cy="2772000"/>
+              <a:off x="5962680" y="1158480"/>
+              <a:ext cx="1737720" cy="2771640"/>
             </a:xfrm>
             <a:prstGeom prst="roundRect">
               <a:avLst>
@@ -10522,7 +10522,7 @@
         <p:spPr>
           <a:xfrm>
             <a:off x="586440" y="1246680"/>
-            <a:ext cx="4005000" cy="3600720"/>
+            <a:ext cx="4004640" cy="3600360"/>
           </a:xfrm>
           <a:prstGeom prst="rect">
             <a:avLst/>
@@ -10574,7 +10574,7 @@
         <p:spPr>
           <a:xfrm>
             <a:off x="5446080" y="1672200"/>
-            <a:ext cx="2781000" cy="1738080"/>
+            <a:ext cx="2780640" cy="1737720"/>
           </a:xfrm>
           <a:prstGeom prst="rect">
             <a:avLst/>
@@ -10626,7 +10626,7 @@
         <p:spPr>
           <a:xfrm>
             <a:off x="586440" y="453960"/>
-            <a:ext cx="3697560" cy="856080"/>
+            <a:ext cx="3697200" cy="855720"/>
           </a:xfrm>
           <a:prstGeom prst="rect">
             <a:avLst/>
@@ -10715,7 +10715,7 @@
         <p:spPr>
           <a:xfrm>
             <a:off x="4222080" y="1246680"/>
-            <a:ext cx="4115880" cy="3600720"/>
+            <a:ext cx="4115520" cy="3600360"/>
           </a:xfrm>
           <a:prstGeom prst="rect">
             <a:avLst/>
@@ -10766,8 +10766,8 @@
         </p:nvSpPr>
         <p:spPr>
           <a:xfrm rot="16200000">
-            <a:off x="-2181600" y="1732680"/>
-            <a:ext cx="5144760" cy="1684800"/>
+            <a:off x="-2181600" y="1733040"/>
+            <a:ext cx="5144400" cy="1684440"/>
           </a:xfrm>
           <a:prstGeom prst="roundRect">
             <a:avLst>
@@ -10804,8 +10804,8 @@
         </p:nvSpPr>
         <p:spPr>
           <a:xfrm rot="2745000">
-            <a:off x="8575200" y="104400"/>
-            <a:ext cx="1133280" cy="1132920"/>
+            <a:off x="8575200" y="104040"/>
+            <a:ext cx="1132920" cy="1132560"/>
           </a:xfrm>
           <a:prstGeom prst="roundRect">
             <a:avLst>
@@ -10842,8 +10842,8 @@
         </p:nvSpPr>
         <p:spPr>
           <a:xfrm rot="16200000">
-            <a:off x="614880" y="918000"/>
-            <a:ext cx="3232800" cy="3314520"/>
+            <a:off x="614880" y="918360"/>
+            <a:ext cx="3232440" cy="3314160"/>
           </a:xfrm>
           <a:prstGeom prst="roundRect">
             <a:avLst>
@@ -10909,7 +10909,7 @@
         <p:spPr>
           <a:xfrm>
             <a:off x="4214160" y="456120"/>
-            <a:ext cx="4112640" cy="856080"/>
+            <a:ext cx="4112280" cy="855720"/>
           </a:xfrm>
           <a:prstGeom prst="rect">
             <a:avLst/>
